--- a/MySQL整理/24MySQL是怎么保证主备一致的？.pptx
+++ b/MySQL整理/24MySQL是怎么保证主备一致的？.pptx
@@ -204,7 +204,7 @@
           <a:p>
             <a:fld id="{A900F2CD-AD8F-46FC-AAAB-A0D218D6826F}" type="datetimeFigureOut">
               <a:rPr lang="zh-CN" altLang="en-US" smtClean="0"/>
-              <a:t>2019/5/28</a:t>
+              <a:t>2021/10/15</a:t>
             </a:fld>
             <a:endParaRPr lang="zh-CN" altLang="en-US"/>
           </a:p>
@@ -1246,7 +1246,7 @@
           <a:p>
             <a:fld id="{E396512D-F96B-4538-B91A-F7EB57A489A0}" type="datetimeFigureOut">
               <a:rPr lang="zh-CN" altLang="en-US" smtClean="0"/>
-              <a:t>2019/5/28</a:t>
+              <a:t>2021/10/15</a:t>
             </a:fld>
             <a:endParaRPr lang="zh-CN" altLang="en-US"/>
           </a:p>
@@ -1521,7 +1521,7 @@
           <a:p>
             <a:fld id="{E396512D-F96B-4538-B91A-F7EB57A489A0}" type="datetimeFigureOut">
               <a:rPr lang="zh-CN" altLang="en-US" smtClean="0"/>
-              <a:t>2019/5/28</a:t>
+              <a:t>2021/10/15</a:t>
             </a:fld>
             <a:endParaRPr lang="zh-CN" altLang="en-US"/>
           </a:p>
@@ -1715,7 +1715,7 @@
           <a:p>
             <a:fld id="{E396512D-F96B-4538-B91A-F7EB57A489A0}" type="datetimeFigureOut">
               <a:rPr lang="zh-CN" altLang="en-US" smtClean="0"/>
-              <a:t>2019/5/28</a:t>
+              <a:t>2021/10/15</a:t>
             </a:fld>
             <a:endParaRPr lang="zh-CN" altLang="en-US"/>
           </a:p>
@@ -1988,7 +1988,7 @@
           <a:p>
             <a:fld id="{E396512D-F96B-4538-B91A-F7EB57A489A0}" type="datetimeFigureOut">
               <a:rPr lang="zh-CN" altLang="en-US" smtClean="0"/>
-              <a:t>2019/5/28</a:t>
+              <a:t>2021/10/15</a:t>
             </a:fld>
             <a:endParaRPr lang="zh-CN" altLang="en-US"/>
           </a:p>
@@ -2329,7 +2329,7 @@
           <a:p>
             <a:fld id="{E396512D-F96B-4538-B91A-F7EB57A489A0}" type="datetimeFigureOut">
               <a:rPr lang="zh-CN" altLang="en-US" smtClean="0"/>
-              <a:t>2019/5/28</a:t>
+              <a:t>2021/10/15</a:t>
             </a:fld>
             <a:endParaRPr lang="zh-CN" altLang="en-US"/>
           </a:p>
@@ -2952,7 +2952,7 @@
           <a:p>
             <a:fld id="{E396512D-F96B-4538-B91A-F7EB57A489A0}" type="datetimeFigureOut">
               <a:rPr lang="zh-CN" altLang="en-US" smtClean="0"/>
-              <a:t>2019/5/28</a:t>
+              <a:t>2021/10/15</a:t>
             </a:fld>
             <a:endParaRPr lang="zh-CN" altLang="en-US"/>
           </a:p>
@@ -3812,7 +3812,7 @@
           <a:p>
             <a:fld id="{E396512D-F96B-4538-B91A-F7EB57A489A0}" type="datetimeFigureOut">
               <a:rPr lang="zh-CN" altLang="en-US" smtClean="0"/>
-              <a:t>2019/5/28</a:t>
+              <a:t>2021/10/15</a:t>
             </a:fld>
             <a:endParaRPr lang="zh-CN" altLang="en-US"/>
           </a:p>
@@ -3982,7 +3982,7 @@
           <a:p>
             <a:fld id="{E396512D-F96B-4538-B91A-F7EB57A489A0}" type="datetimeFigureOut">
               <a:rPr lang="zh-CN" altLang="en-US" smtClean="0"/>
-              <a:t>2019/5/28</a:t>
+              <a:t>2021/10/15</a:t>
             </a:fld>
             <a:endParaRPr lang="zh-CN" altLang="en-US"/>
           </a:p>
@@ -4162,7 +4162,7 @@
           <a:p>
             <a:fld id="{E396512D-F96B-4538-B91A-F7EB57A489A0}" type="datetimeFigureOut">
               <a:rPr lang="zh-CN" altLang="en-US" smtClean="0"/>
-              <a:t>2019/5/28</a:t>
+              <a:t>2021/10/15</a:t>
             </a:fld>
             <a:endParaRPr lang="zh-CN" altLang="en-US"/>
           </a:p>
@@ -4332,7 +4332,7 @@
           <a:p>
             <a:fld id="{E396512D-F96B-4538-B91A-F7EB57A489A0}" type="datetimeFigureOut">
               <a:rPr lang="zh-CN" altLang="en-US" smtClean="0"/>
-              <a:t>2019/5/28</a:t>
+              <a:t>2021/10/15</a:t>
             </a:fld>
             <a:endParaRPr lang="zh-CN" altLang="en-US"/>
           </a:p>
@@ -4579,7 +4579,7 @@
           <a:p>
             <a:fld id="{E396512D-F96B-4538-B91A-F7EB57A489A0}" type="datetimeFigureOut">
               <a:rPr lang="zh-CN" altLang="en-US" smtClean="0"/>
-              <a:t>2019/5/28</a:t>
+              <a:t>2021/10/15</a:t>
             </a:fld>
             <a:endParaRPr lang="zh-CN" altLang="en-US"/>
           </a:p>
@@ -4871,7 +4871,7 @@
           <a:p>
             <a:fld id="{E396512D-F96B-4538-B91A-F7EB57A489A0}" type="datetimeFigureOut">
               <a:rPr lang="zh-CN" altLang="en-US" smtClean="0"/>
-              <a:t>2019/5/28</a:t>
+              <a:t>2021/10/15</a:t>
             </a:fld>
             <a:endParaRPr lang="zh-CN" altLang="en-US"/>
           </a:p>
@@ -5315,7 +5315,7 @@
           <a:p>
             <a:fld id="{E396512D-F96B-4538-B91A-F7EB57A489A0}" type="datetimeFigureOut">
               <a:rPr lang="zh-CN" altLang="en-US" smtClean="0"/>
-              <a:t>2019/5/28</a:t>
+              <a:t>2021/10/15</a:t>
             </a:fld>
             <a:endParaRPr lang="zh-CN" altLang="en-US"/>
           </a:p>
@@ -5433,7 +5433,7 @@
           <a:p>
             <a:fld id="{E396512D-F96B-4538-B91A-F7EB57A489A0}" type="datetimeFigureOut">
               <a:rPr lang="zh-CN" altLang="en-US" smtClean="0"/>
-              <a:t>2019/5/28</a:t>
+              <a:t>2021/10/15</a:t>
             </a:fld>
             <a:endParaRPr lang="zh-CN" altLang="en-US"/>
           </a:p>
@@ -5528,7 +5528,7 @@
           <a:p>
             <a:fld id="{E396512D-F96B-4538-B91A-F7EB57A489A0}" type="datetimeFigureOut">
               <a:rPr lang="zh-CN" altLang="en-US" smtClean="0"/>
-              <a:t>2019/5/28</a:t>
+              <a:t>2021/10/15</a:t>
             </a:fld>
             <a:endParaRPr lang="zh-CN" altLang="en-US"/>
           </a:p>
@@ -5807,7 +5807,7 @@
           <a:p>
             <a:fld id="{E396512D-F96B-4538-B91A-F7EB57A489A0}" type="datetimeFigureOut">
               <a:rPr lang="zh-CN" altLang="en-US" smtClean="0"/>
-              <a:t>2019/5/28</a:t>
+              <a:t>2021/10/15</a:t>
             </a:fld>
             <a:endParaRPr lang="zh-CN" altLang="en-US"/>
           </a:p>
@@ -6082,7 +6082,7 @@
           <a:p>
             <a:fld id="{E396512D-F96B-4538-B91A-F7EB57A489A0}" type="datetimeFigureOut">
               <a:rPr lang="zh-CN" altLang="en-US" smtClean="0"/>
-              <a:t>2019/5/28</a:t>
+              <a:t>2021/10/15</a:t>
             </a:fld>
             <a:endParaRPr lang="zh-CN" altLang="en-US"/>
           </a:p>
@@ -6511,7 +6511,7 @@
           <a:p>
             <a:fld id="{E396512D-F96B-4538-B91A-F7EB57A489A0}" type="datetimeFigureOut">
               <a:rPr lang="zh-CN" altLang="en-US" smtClean="0"/>
-              <a:t>2019/5/28</a:t>
+              <a:t>2021/10/15</a:t>
             </a:fld>
             <a:endParaRPr lang="zh-CN" altLang="en-US"/>
           </a:p>
@@ -8535,14 +8535,121 @@
       </p:grpSpPr>
       <p:sp>
         <p:nvSpPr>
-          <p:cNvPr id="4" name="圆角矩形 3"/>
+          <p:cNvPr id="2" name="标题 1"/>
+          <p:cNvSpPr>
+            <a:spLocks noGrp="1"/>
+          </p:cNvSpPr>
+          <p:nvPr>
+            <p:ph type="title"/>
+          </p:nvPr>
+        </p:nvSpPr>
+        <p:spPr>
+          <a:xfrm>
+            <a:off x="114300" y="152400"/>
+            <a:ext cx="11149057" cy="602359"/>
+          </a:xfrm>
+        </p:spPr>
+        <p:txBody>
+          <a:bodyPr/>
+          <a:lstStyle/>
+          <a:p>
+            <a:r>
+              <a:rPr lang="en-US" altLang="zh-CN" sz="3200" b="1" dirty="0">
+                <a:latin typeface="微软雅黑" panose="020B0503020204020204" pitchFamily="34" charset="-122"/>
+                <a:ea typeface="微软雅黑" panose="020B0503020204020204" pitchFamily="34" charset="-122"/>
+              </a:rPr>
+              <a:t>24 | MySQL</a:t>
+            </a:r>
+            <a:r>
+              <a:rPr lang="zh-CN" altLang="en-US" sz="3200" b="1" dirty="0">
+                <a:latin typeface="微软雅黑" panose="020B0503020204020204" pitchFamily="34" charset="-122"/>
+                <a:ea typeface="微软雅黑" panose="020B0503020204020204" pitchFamily="34" charset="-122"/>
+              </a:rPr>
+              <a:t>是怎么保证主备一致的？</a:t>
+            </a:r>
+          </a:p>
+        </p:txBody>
+      </p:sp>
+      <p:sp>
+        <p:nvSpPr>
+          <p:cNvPr id="7" name="文本框 6"/>
+          <p:cNvSpPr txBox="1"/>
+          <p:nvPr/>
+        </p:nvSpPr>
+        <p:spPr>
+          <a:xfrm>
+            <a:off x="114300" y="842111"/>
+            <a:ext cx="3312702" cy="369332"/>
+          </a:xfrm>
+          <a:prstGeom prst="rect">
+            <a:avLst/>
+          </a:prstGeom>
+          <a:noFill/>
+        </p:spPr>
+        <p:txBody>
+          <a:bodyPr wrap="none">
+            <a:spAutoFit/>
+            <a:scene3d>
+              <a:camera prst="orthographicFront"/>
+              <a:lightRig rig="harsh" dir="t"/>
+            </a:scene3d>
+            <a:sp3d extrusionH="57150" prstMaterial="matte">
+              <a:bevelT w="63500" h="12700" prst="angle"/>
+              <a:contourClr>
+                <a:schemeClr val="bg1">
+                  <a:lumMod val="65000"/>
+                </a:schemeClr>
+              </a:contourClr>
+            </a:sp3d>
+          </a:bodyPr>
+          <a:lstStyle/>
+          <a:p>
+            <a:pPr>
+              <a:defRPr/>
+            </a:pPr>
+            <a:r>
+              <a:rPr lang="en-US" altLang="zh-CN" b="1" dirty="0" smtClean="0">
+                <a:ln/>
+                <a:solidFill>
+                  <a:srgbClr val="4FD1FF"/>
+                </a:solidFill>
+                <a:latin typeface="微软雅黑" panose="020B0503020204020204" pitchFamily="34" charset="-122"/>
+                <a:ea typeface="微软雅黑" panose="020B0503020204020204" pitchFamily="34" charset="-122"/>
+              </a:rPr>
+              <a:t>update</a:t>
+            </a:r>
+            <a:r>
+              <a:rPr lang="zh-CN" altLang="en-US" b="1" dirty="0" smtClean="0">
+                <a:ln/>
+                <a:solidFill>
+                  <a:srgbClr val="4FD1FF"/>
+                </a:solidFill>
+                <a:latin typeface="微软雅黑" panose="020B0503020204020204" pitchFamily="34" charset="-122"/>
+                <a:ea typeface="微软雅黑" panose="020B0503020204020204" pitchFamily="34" charset="-122"/>
+              </a:rPr>
+              <a:t>语句在主备间执行流程</a:t>
+            </a:r>
+            <a:endParaRPr lang="en-US" altLang="zh-CN" b="1" dirty="0" smtClean="0">
+              <a:ln/>
+              <a:solidFill>
+                <a:srgbClr val="4FD1FF"/>
+              </a:solidFill>
+              <a:latin typeface="微软雅黑" panose="020B0503020204020204" pitchFamily="34" charset="-122"/>
+              <a:ea typeface="微软雅黑" panose="020B0503020204020204" pitchFamily="34" charset="-122"/>
+            </a:endParaRPr>
+          </a:p>
+        </p:txBody>
+      </p:sp>
+      <p:sp>
+        <p:nvSpPr>
+          <p:cNvPr id="41" name="圆角矩形 40"/>
           <p:cNvSpPr/>
           <p:nvPr/>
         </p:nvSpPr>
         <p:spPr>
           <a:xfrm>
-            <a:off x="604984" y="2646220"/>
-            <a:ext cx="10883900" cy="2057400"/>
+            <a:off x="604984" y="2512301"/>
+            <a:ext cx="10883900" cy="2191319"/>
           </a:xfrm>
           <a:prstGeom prst="roundRect">
             <a:avLst/>
@@ -8581,114 +8688,7 @@
       </p:sp>
       <p:sp>
         <p:nvSpPr>
-          <p:cNvPr id="2" name="标题 1"/>
-          <p:cNvSpPr>
-            <a:spLocks noGrp="1"/>
-          </p:cNvSpPr>
-          <p:nvPr>
-            <p:ph type="title"/>
-          </p:nvPr>
-        </p:nvSpPr>
-        <p:spPr>
-          <a:xfrm>
-            <a:off x="114300" y="152400"/>
-            <a:ext cx="11149057" cy="602359"/>
-          </a:xfrm>
-        </p:spPr>
-        <p:txBody>
-          <a:bodyPr/>
-          <a:lstStyle/>
-          <a:p>
-            <a:r>
-              <a:rPr lang="en-US" altLang="zh-CN" sz="3200" b="1" dirty="0">
-                <a:latin typeface="微软雅黑" panose="020B0503020204020204" pitchFamily="34" charset="-122"/>
-                <a:ea typeface="微软雅黑" panose="020B0503020204020204" pitchFamily="34" charset="-122"/>
-              </a:rPr>
-              <a:t>24 | MySQL</a:t>
-            </a:r>
-            <a:r>
-              <a:rPr lang="zh-CN" altLang="en-US" sz="3200" b="1" dirty="0">
-                <a:latin typeface="微软雅黑" panose="020B0503020204020204" pitchFamily="34" charset="-122"/>
-                <a:ea typeface="微软雅黑" panose="020B0503020204020204" pitchFamily="34" charset="-122"/>
-              </a:rPr>
-              <a:t>是怎么保证主备一致的？</a:t>
-            </a:r>
-          </a:p>
-        </p:txBody>
-      </p:sp>
-      <p:sp>
-        <p:nvSpPr>
-          <p:cNvPr id="7" name="文本框 6"/>
-          <p:cNvSpPr txBox="1"/>
-          <p:nvPr/>
-        </p:nvSpPr>
-        <p:spPr>
-          <a:xfrm>
-            <a:off x="114300" y="842111"/>
-            <a:ext cx="3312702" cy="369332"/>
-          </a:xfrm>
-          <a:prstGeom prst="rect">
-            <a:avLst/>
-          </a:prstGeom>
-          <a:noFill/>
-        </p:spPr>
-        <p:txBody>
-          <a:bodyPr wrap="none">
-            <a:spAutoFit/>
-            <a:scene3d>
-              <a:camera prst="orthographicFront"/>
-              <a:lightRig rig="harsh" dir="t"/>
-            </a:scene3d>
-            <a:sp3d extrusionH="57150" prstMaterial="matte">
-              <a:bevelT w="63500" h="12700" prst="angle"/>
-              <a:contourClr>
-                <a:schemeClr val="bg1">
-                  <a:lumMod val="65000"/>
-                </a:schemeClr>
-              </a:contourClr>
-            </a:sp3d>
-          </a:bodyPr>
-          <a:lstStyle/>
-          <a:p>
-            <a:pPr>
-              <a:defRPr/>
-            </a:pPr>
-            <a:r>
-              <a:rPr lang="en-US" altLang="zh-CN" b="1" dirty="0" smtClean="0">
-                <a:ln/>
-                <a:solidFill>
-                  <a:srgbClr val="4FD1FF"/>
-                </a:solidFill>
-                <a:latin typeface="微软雅黑" panose="020B0503020204020204" pitchFamily="34" charset="-122"/>
-                <a:ea typeface="微软雅黑" panose="020B0503020204020204" pitchFamily="34" charset="-122"/>
-              </a:rPr>
-              <a:t>update</a:t>
-            </a:r>
-            <a:r>
-              <a:rPr lang="zh-CN" altLang="en-US" b="1" dirty="0" smtClean="0">
-                <a:ln/>
-                <a:solidFill>
-                  <a:srgbClr val="4FD1FF"/>
-                </a:solidFill>
-                <a:latin typeface="微软雅黑" panose="020B0503020204020204" pitchFamily="34" charset="-122"/>
-                <a:ea typeface="微软雅黑" panose="020B0503020204020204" pitchFamily="34" charset="-122"/>
-              </a:rPr>
-              <a:t>语句在主备间执行流程</a:t>
-            </a:r>
-            <a:endParaRPr lang="en-US" altLang="zh-CN" b="1" dirty="0" smtClean="0">
-              <a:ln/>
-              <a:solidFill>
-                <a:srgbClr val="4FD1FF"/>
-              </a:solidFill>
-              <a:latin typeface="微软雅黑" panose="020B0503020204020204" pitchFamily="34" charset="-122"/>
-              <a:ea typeface="微软雅黑" panose="020B0503020204020204" pitchFamily="34" charset="-122"/>
-            </a:endParaRPr>
-          </a:p>
-        </p:txBody>
-      </p:sp>
-      <p:sp>
-        <p:nvSpPr>
-          <p:cNvPr id="20" name="椭圆 19"/>
+          <p:cNvPr id="42" name="椭圆 41"/>
           <p:cNvSpPr/>
           <p:nvPr/>
         </p:nvSpPr>
@@ -8751,7 +8751,7 @@
       </p:sp>
       <p:sp>
         <p:nvSpPr>
-          <p:cNvPr id="21" name="矩形 20"/>
+          <p:cNvPr id="43" name="矩形 42"/>
           <p:cNvSpPr/>
           <p:nvPr/>
         </p:nvSpPr>
@@ -8824,7 +8824,7 @@
       </p:sp>
       <p:sp>
         <p:nvSpPr>
-          <p:cNvPr id="22" name="矩形 21"/>
+          <p:cNvPr id="44" name="矩形 43"/>
           <p:cNvSpPr/>
           <p:nvPr/>
         </p:nvSpPr>
@@ -8897,7 +8897,7 @@
       </p:sp>
       <p:sp>
         <p:nvSpPr>
-          <p:cNvPr id="24" name="矩形 23"/>
+          <p:cNvPr id="45" name="矩形 44"/>
           <p:cNvSpPr/>
           <p:nvPr/>
         </p:nvSpPr>
@@ -8955,13 +8955,20 @@
           <a:p>
             <a:pPr algn="ctr"/>
             <a:r>
-              <a:rPr lang="en-US" altLang="zh-CN" sz="1400" dirty="0" smtClean="0">
-                <a:latin typeface="微软雅黑" panose="020B0503020204020204" pitchFamily="34" charset="-122"/>
-                <a:ea typeface="微软雅黑" panose="020B0503020204020204" pitchFamily="34" charset="-122"/>
-              </a:rPr>
-              <a:t>(prepare)</a:t>
-            </a:r>
-            <a:endParaRPr lang="zh-CN" altLang="en-US" sz="1400" dirty="0">
+              <a:rPr lang="en-US" altLang="zh-CN" sz="1200" smtClean="0">
+                <a:latin typeface="微软雅黑" panose="020B0503020204020204" pitchFamily="34" charset="-122"/>
+                <a:ea typeface="微软雅黑" panose="020B0503020204020204" pitchFamily="34" charset="-122"/>
+              </a:rPr>
+              <a:t>(</a:t>
+            </a:r>
+            <a:r>
+              <a:rPr lang="en-US" altLang="zh-CN" sz="1200" smtClean="0">
+                <a:latin typeface="微软雅黑" panose="020B0503020204020204" pitchFamily="34" charset="-122"/>
+                <a:ea typeface="微软雅黑" panose="020B0503020204020204" pitchFamily="34" charset="-122"/>
+              </a:rPr>
+              <a:t>prepare in disk)</a:t>
+            </a:r>
+            <a:endParaRPr lang="zh-CN" altLang="en-US" sz="1200" dirty="0">
               <a:latin typeface="微软雅黑" panose="020B0503020204020204" pitchFamily="34" charset="-122"/>
               <a:ea typeface="微软雅黑" panose="020B0503020204020204" pitchFamily="34" charset="-122"/>
             </a:endParaRPr>
@@ -8970,7 +8977,7 @@
       </p:sp>
       <p:sp>
         <p:nvSpPr>
-          <p:cNvPr id="25" name="矩形 24"/>
+          <p:cNvPr id="47" name="矩形 46"/>
           <p:cNvSpPr/>
           <p:nvPr/>
         </p:nvSpPr>
@@ -9033,7 +9040,7 @@
       </p:sp>
       <p:sp>
         <p:nvSpPr>
-          <p:cNvPr id="26" name="矩形 25"/>
+          <p:cNvPr id="49" name="矩形 48"/>
           <p:cNvSpPr/>
           <p:nvPr/>
         </p:nvSpPr>
@@ -9091,13 +9098,20 @@
           <a:p>
             <a:pPr algn="ctr"/>
             <a:r>
-              <a:rPr lang="en-US" altLang="zh-CN" sz="1400" dirty="0" smtClean="0">
-                <a:latin typeface="微软雅黑" panose="020B0503020204020204" pitchFamily="34" charset="-122"/>
-                <a:ea typeface="微软雅黑" panose="020B0503020204020204" pitchFamily="34" charset="-122"/>
-              </a:rPr>
-              <a:t>(commit)</a:t>
-            </a:r>
-            <a:endParaRPr lang="zh-CN" altLang="en-US" sz="1400" dirty="0">
+              <a:rPr lang="en-US" altLang="zh-CN" sz="1200" smtClean="0">
+                <a:latin typeface="微软雅黑" panose="020B0503020204020204" pitchFamily="34" charset="-122"/>
+                <a:ea typeface="微软雅黑" panose="020B0503020204020204" pitchFamily="34" charset="-122"/>
+              </a:rPr>
+              <a:t>(</a:t>
+            </a:r>
+            <a:r>
+              <a:rPr lang="en-US" altLang="zh-CN" sz="1200" smtClean="0">
+                <a:latin typeface="微软雅黑" panose="020B0503020204020204" pitchFamily="34" charset="-122"/>
+                <a:ea typeface="微软雅黑" panose="020B0503020204020204" pitchFamily="34" charset="-122"/>
+              </a:rPr>
+              <a:t>commit in disk)</a:t>
+            </a:r>
+            <a:endParaRPr lang="zh-CN" altLang="en-US" sz="1200" dirty="0">
               <a:latin typeface="微软雅黑" panose="020B0503020204020204" pitchFamily="34" charset="-122"/>
               <a:ea typeface="微软雅黑" panose="020B0503020204020204" pitchFamily="34" charset="-122"/>
             </a:endParaRPr>
@@ -9106,7 +9120,7 @@
       </p:sp>
       <p:sp>
         <p:nvSpPr>
-          <p:cNvPr id="27" name="椭圆 26"/>
+          <p:cNvPr id="56" name="椭圆 55"/>
           <p:cNvSpPr/>
           <p:nvPr/>
         </p:nvSpPr>
@@ -9169,7 +9183,7 @@
       </p:sp>
       <p:sp>
         <p:nvSpPr>
-          <p:cNvPr id="28" name="椭圆 27"/>
+          <p:cNvPr id="57" name="椭圆 56"/>
           <p:cNvSpPr/>
           <p:nvPr/>
         </p:nvSpPr>
@@ -9232,7 +9246,7 @@
       </p:sp>
       <p:sp>
         <p:nvSpPr>
-          <p:cNvPr id="29" name="矩形 28"/>
+          <p:cNvPr id="59" name="矩形 58"/>
           <p:cNvSpPr/>
           <p:nvPr/>
         </p:nvSpPr>
@@ -9305,7 +9319,7 @@
       </p:sp>
       <p:sp>
         <p:nvSpPr>
-          <p:cNvPr id="30" name="矩形 29"/>
+          <p:cNvPr id="60" name="矩形 59"/>
           <p:cNvSpPr/>
           <p:nvPr/>
         </p:nvSpPr>
@@ -9378,7 +9392,7 @@
       </p:sp>
       <p:sp>
         <p:nvSpPr>
-          <p:cNvPr id="31" name="矩形 30"/>
+          <p:cNvPr id="61" name="矩形 60"/>
           <p:cNvSpPr/>
           <p:nvPr/>
         </p:nvSpPr>
@@ -9426,11 +9440,35 @@
           <a:p>
             <a:pPr algn="ctr"/>
             <a:r>
-              <a:rPr lang="en-US" altLang="zh-CN" sz="1400" dirty="0" smtClean="0">
-                <a:latin typeface="微软雅黑" panose="020B0503020204020204" pitchFamily="34" charset="-122"/>
-                <a:ea typeface="微软雅黑" panose="020B0503020204020204" pitchFamily="34" charset="-122"/>
-              </a:rPr>
-              <a:t>DATA</a:t>
+              <a:rPr lang="en-US" altLang="zh-CN" sz="1400" smtClean="0">
+                <a:latin typeface="微软雅黑" panose="020B0503020204020204" pitchFamily="34" charset="-122"/>
+                <a:ea typeface="微软雅黑" panose="020B0503020204020204" pitchFamily="34" charset="-122"/>
+              </a:rPr>
+              <a:t>data</a:t>
+            </a:r>
+          </a:p>
+          <a:p>
+            <a:pPr algn="ctr"/>
+            <a:r>
+              <a:rPr lang="zh-CN" altLang="en-US" sz="1400" smtClean="0">
+                <a:latin typeface="微软雅黑" panose="020B0503020204020204" pitchFamily="34" charset="-122"/>
+                <a:ea typeface="微软雅黑" panose="020B0503020204020204" pitchFamily="34" charset="-122"/>
+              </a:rPr>
+              <a:t>（</a:t>
+            </a:r>
+            <a:r>
+              <a:rPr lang="en-US" altLang="zh-CN" sz="1400" smtClean="0">
+                <a:latin typeface="微软雅黑" panose="020B0503020204020204" pitchFamily="34" charset="-122"/>
+                <a:ea typeface="微软雅黑" panose="020B0503020204020204" pitchFamily="34" charset="-122"/>
+              </a:rPr>
+              <a:t>disk</a:t>
+            </a:r>
+            <a:r>
+              <a:rPr lang="zh-CN" altLang="en-US" sz="1400" smtClean="0">
+                <a:latin typeface="微软雅黑" panose="020B0503020204020204" pitchFamily="34" charset="-122"/>
+                <a:ea typeface="微软雅黑" panose="020B0503020204020204" pitchFamily="34" charset="-122"/>
+              </a:rPr>
+              <a:t>）</a:t>
             </a:r>
             <a:endParaRPr lang="zh-CN" altLang="en-US" sz="1400" dirty="0">
               <a:latin typeface="微软雅黑" panose="020B0503020204020204" pitchFamily="34" charset="-122"/>
@@ -9441,7 +9479,7 @@
       </p:sp>
       <p:sp>
         <p:nvSpPr>
-          <p:cNvPr id="32" name="椭圆 31"/>
+          <p:cNvPr id="63" name="椭圆 62"/>
           <p:cNvSpPr/>
           <p:nvPr/>
         </p:nvSpPr>
@@ -9504,13 +9542,13 @@
       </p:sp>
       <p:sp>
         <p:nvSpPr>
-          <p:cNvPr id="33" name="矩形 32"/>
+          <p:cNvPr id="64" name="矩形 63"/>
           <p:cNvSpPr/>
           <p:nvPr/>
         </p:nvSpPr>
         <p:spPr>
           <a:xfrm>
-            <a:off x="7366735" y="5760702"/>
+            <a:off x="7033859" y="5760701"/>
             <a:ext cx="1480549" cy="529264"/>
           </a:xfrm>
           <a:prstGeom prst="rect">
@@ -9567,7 +9605,7 @@
       </p:sp>
       <p:sp>
         <p:nvSpPr>
-          <p:cNvPr id="34" name="椭圆 33"/>
+          <p:cNvPr id="66" name="椭圆 65"/>
           <p:cNvSpPr/>
           <p:nvPr/>
         </p:nvSpPr>
@@ -9630,7 +9668,7 @@
       </p:sp>
       <p:sp>
         <p:nvSpPr>
-          <p:cNvPr id="37" name="圆角矩形 36"/>
+          <p:cNvPr id="67" name="圆角矩形 66"/>
           <p:cNvSpPr/>
           <p:nvPr/>
         </p:nvSpPr>
@@ -9679,10 +9717,10 @@
       </p:sp>
       <p:cxnSp>
         <p:nvCxnSpPr>
-          <p:cNvPr id="46" name="直接箭头连接符 45"/>
+          <p:cNvPr id="68" name="直接箭头连接符 67"/>
           <p:cNvCxnSpPr>
-            <a:stCxn id="20" idx="4"/>
-            <a:endCxn id="21" idx="0"/>
+            <a:stCxn id="42" idx="4"/>
+            <a:endCxn id="43" idx="0"/>
           </p:cNvCxnSpPr>
           <p:nvPr/>
         </p:nvCxnSpPr>
@@ -9718,7 +9756,7 @@
       </p:cxnSp>
       <p:sp>
         <p:nvSpPr>
-          <p:cNvPr id="48" name="椭圆 47"/>
+          <p:cNvPr id="69" name="椭圆 68"/>
           <p:cNvSpPr/>
           <p:nvPr/>
         </p:nvSpPr>
@@ -9781,10 +9819,10 @@
       </p:sp>
       <p:cxnSp>
         <p:nvCxnSpPr>
-          <p:cNvPr id="50" name="直接箭头连接符 49"/>
+          <p:cNvPr id="71" name="直接箭头连接符 70"/>
           <p:cNvCxnSpPr>
-            <a:stCxn id="21" idx="3"/>
-            <a:endCxn id="22" idx="1"/>
+            <a:stCxn id="43" idx="3"/>
+            <a:endCxn id="44" idx="1"/>
           </p:cNvCxnSpPr>
           <p:nvPr/>
         </p:nvCxnSpPr>
@@ -9820,10 +9858,10 @@
       </p:cxnSp>
       <p:cxnSp>
         <p:nvCxnSpPr>
-          <p:cNvPr id="51" name="直接箭头连接符 50"/>
+          <p:cNvPr id="72" name="直接箭头连接符 71"/>
           <p:cNvCxnSpPr>
-            <a:stCxn id="22" idx="3"/>
-            <a:endCxn id="24" idx="1"/>
+            <a:stCxn id="44" idx="3"/>
+            <a:endCxn id="45" idx="1"/>
           </p:cNvCxnSpPr>
           <p:nvPr/>
         </p:nvCxnSpPr>
@@ -9859,10 +9897,10 @@
       </p:cxnSp>
       <p:cxnSp>
         <p:nvCxnSpPr>
-          <p:cNvPr id="52" name="直接箭头连接符 51"/>
+          <p:cNvPr id="74" name="直接箭头连接符 73"/>
           <p:cNvCxnSpPr>
-            <a:stCxn id="24" idx="3"/>
-            <a:endCxn id="25" idx="1"/>
+            <a:stCxn id="45" idx="3"/>
+            <a:endCxn id="47" idx="1"/>
           </p:cNvCxnSpPr>
           <p:nvPr/>
         </p:nvCxnSpPr>
@@ -9898,10 +9936,10 @@
       </p:cxnSp>
       <p:cxnSp>
         <p:nvCxnSpPr>
-          <p:cNvPr id="53" name="直接箭头连接符 52"/>
+          <p:cNvPr id="75" name="直接箭头连接符 74"/>
           <p:cNvCxnSpPr>
-            <a:stCxn id="25" idx="3"/>
-            <a:endCxn id="26" idx="1"/>
+            <a:stCxn id="47" idx="3"/>
+            <a:endCxn id="49" idx="1"/>
           </p:cNvCxnSpPr>
           <p:nvPr/>
         </p:nvCxnSpPr>
@@ -9937,10 +9975,10 @@
       </p:cxnSp>
       <p:cxnSp>
         <p:nvCxnSpPr>
-          <p:cNvPr id="54" name="直接箭头连接符 53"/>
+          <p:cNvPr id="77" name="直接箭头连接符 76"/>
           <p:cNvCxnSpPr>
-            <a:stCxn id="26" idx="0"/>
-            <a:endCxn id="48" idx="4"/>
+            <a:stCxn id="49" idx="0"/>
+            <a:endCxn id="69" idx="4"/>
           </p:cNvCxnSpPr>
           <p:nvPr/>
         </p:nvCxnSpPr>
@@ -9976,10 +10014,10 @@
       </p:cxnSp>
       <p:cxnSp>
         <p:nvCxnSpPr>
-          <p:cNvPr id="55" name="直接箭头连接符 54"/>
+          <p:cNvPr id="78" name="直接箭头连接符 77"/>
           <p:cNvCxnSpPr>
-            <a:stCxn id="25" idx="2"/>
-            <a:endCxn id="27" idx="2"/>
+            <a:stCxn id="47" idx="2"/>
+            <a:endCxn id="56" idx="2"/>
           </p:cNvCxnSpPr>
           <p:nvPr/>
         </p:nvCxnSpPr>
@@ -10016,10 +10054,10 @@
       </p:cxnSp>
       <p:cxnSp>
         <p:nvCxnSpPr>
-          <p:cNvPr id="58" name="直接箭头连接符 57"/>
+          <p:cNvPr id="80" name="直接箭头连接符 79"/>
           <p:cNvCxnSpPr>
-            <a:stCxn id="21" idx="2"/>
-            <a:endCxn id="28" idx="0"/>
+            <a:stCxn id="43" idx="2"/>
+            <a:endCxn id="57" idx="0"/>
           </p:cNvCxnSpPr>
           <p:nvPr/>
         </p:nvCxnSpPr>
@@ -10056,10 +10094,10 @@
       </p:cxnSp>
       <p:cxnSp>
         <p:nvCxnSpPr>
-          <p:cNvPr id="62" name="直接箭头连接符 61"/>
+          <p:cNvPr id="81" name="直接箭头连接符 80"/>
           <p:cNvCxnSpPr>
-            <a:stCxn id="28" idx="6"/>
-            <a:endCxn id="29" idx="1"/>
+            <a:stCxn id="57" idx="6"/>
+            <a:endCxn id="59" idx="1"/>
           </p:cNvCxnSpPr>
           <p:nvPr/>
         </p:nvCxnSpPr>
@@ -10095,17 +10133,17 @@
       </p:cxnSp>
       <p:cxnSp>
         <p:nvCxnSpPr>
-          <p:cNvPr id="65" name="直接箭头连接符 64"/>
+          <p:cNvPr id="84" name="直接箭头连接符 83"/>
           <p:cNvCxnSpPr>
-            <a:stCxn id="29" idx="3"/>
-            <a:endCxn id="30" idx="1"/>
+            <a:stCxn id="44" idx="2"/>
+            <a:endCxn id="60" idx="1"/>
           </p:cNvCxnSpPr>
           <p:nvPr/>
         </p:nvCxnSpPr>
         <p:spPr>
           <a:xfrm>
-            <a:off x="4554684" y="4159990"/>
-            <a:ext cx="665751" cy="0"/>
+            <a:off x="3814410" y="3332020"/>
+            <a:ext cx="1406025" cy="827970"/>
           </a:xfrm>
           <a:prstGeom prst="straightConnector1">
             <a:avLst/>
@@ -10114,6 +10152,7 @@
             <a:solidFill>
               <a:srgbClr val="FFFF00"/>
             </a:solidFill>
+            <a:prstDash val="lgDash"/>
             <a:tailEnd type="triangle"/>
           </a:ln>
         </p:spPr>
@@ -10134,10 +10173,10 @@
       </p:cxnSp>
       <p:cxnSp>
         <p:nvCxnSpPr>
-          <p:cNvPr id="70" name="直接箭头连接符 69"/>
+          <p:cNvPr id="85" name="直接箭头连接符 84"/>
           <p:cNvCxnSpPr>
-            <a:stCxn id="27" idx="4"/>
-            <a:endCxn id="34" idx="0"/>
+            <a:stCxn id="56" idx="4"/>
+            <a:endCxn id="66" idx="0"/>
           </p:cNvCxnSpPr>
           <p:nvPr/>
         </p:nvCxnSpPr>
@@ -10173,17 +10212,17 @@
       </p:cxnSp>
       <p:cxnSp>
         <p:nvCxnSpPr>
-          <p:cNvPr id="73" name="直接箭头连接符 72"/>
+          <p:cNvPr id="86" name="直接箭头连接符 85"/>
           <p:cNvCxnSpPr>
-            <a:stCxn id="34" idx="2"/>
-            <a:endCxn id="33" idx="3"/>
+            <a:stCxn id="66" idx="2"/>
+            <a:endCxn id="64" idx="3"/>
           </p:cNvCxnSpPr>
           <p:nvPr/>
         </p:nvCxnSpPr>
         <p:spPr>
-          <a:xfrm flipH="1">
-            <a:off x="8847284" y="6025334"/>
-            <a:ext cx="468899" cy="0"/>
+          <a:xfrm flipH="1" flipV="1">
+            <a:off x="8514408" y="6025333"/>
+            <a:ext cx="801775" cy="1"/>
           </a:xfrm>
           <a:prstGeom prst="straightConnector1">
             <a:avLst/>
@@ -10212,17 +10251,17 @@
       </p:cxnSp>
       <p:cxnSp>
         <p:nvCxnSpPr>
-          <p:cNvPr id="76" name="直接箭头连接符 75"/>
+          <p:cNvPr id="87" name="直接箭头连接符 86"/>
           <p:cNvCxnSpPr>
-            <a:stCxn id="33" idx="1"/>
-            <a:endCxn id="32" idx="6"/>
+            <a:stCxn id="64" idx="1"/>
+            <a:endCxn id="63" idx="6"/>
           </p:cNvCxnSpPr>
           <p:nvPr/>
         </p:nvCxnSpPr>
         <p:spPr>
           <a:xfrm flipH="1">
-            <a:off x="5824682" y="6025334"/>
-            <a:ext cx="1542053" cy="0"/>
+            <a:off x="5824682" y="6025333"/>
+            <a:ext cx="1209177" cy="1"/>
           </a:xfrm>
           <a:prstGeom prst="straightConnector1">
             <a:avLst/>
@@ -10251,9 +10290,9 @@
       </p:cxnSp>
       <p:cxnSp>
         <p:nvCxnSpPr>
-          <p:cNvPr id="79" name="直接箭头连接符 78"/>
+          <p:cNvPr id="88" name="直接箭头连接符 87"/>
           <p:cNvCxnSpPr>
-            <a:stCxn id="32" idx="2"/>
+            <a:stCxn id="63" idx="2"/>
           </p:cNvCxnSpPr>
           <p:nvPr/>
         </p:nvCxnSpPr>
@@ -10289,7 +10328,7 @@
       </p:cxnSp>
       <p:sp>
         <p:nvSpPr>
-          <p:cNvPr id="82" name="矩形 81"/>
+          <p:cNvPr id="89" name="矩形 88"/>
           <p:cNvSpPr/>
           <p:nvPr/>
         </p:nvSpPr>
@@ -10323,7 +10362,7 @@
       </p:sp>
       <p:sp>
         <p:nvSpPr>
-          <p:cNvPr id="83" name="矩形 82"/>
+          <p:cNvPr id="90" name="矩形 89"/>
           <p:cNvSpPr/>
           <p:nvPr/>
         </p:nvSpPr>
@@ -10352,6 +10391,144 @@
               </a:rPr>
               <a:t>slave B</a:t>
             </a:r>
+          </a:p>
+        </p:txBody>
+      </p:sp>
+      <p:sp>
+        <p:nvSpPr>
+          <p:cNvPr id="91" name="矩形 90"/>
+          <p:cNvSpPr/>
+          <p:nvPr/>
+        </p:nvSpPr>
+        <p:spPr>
+          <a:xfrm>
+            <a:off x="6288367" y="4917332"/>
+            <a:ext cx="2656850" cy="307777"/>
+          </a:xfrm>
+          <a:prstGeom prst="rect">
+            <a:avLst/>
+          </a:prstGeom>
+        </p:spPr>
+        <p:txBody>
+          <a:bodyPr wrap="square">
+            <a:spAutoFit/>
+          </a:bodyPr>
+          <a:lstStyle/>
+          <a:p>
+            <a:r>
+              <a:rPr lang="zh-CN" altLang="en-US" sz="1400" smtClean="0">
+                <a:latin typeface="微软雅黑" panose="020B0503020204020204" pitchFamily="34" charset="-122"/>
+                <a:ea typeface="微软雅黑" panose="020B0503020204020204" pitchFamily="34" charset="-122"/>
+              </a:rPr>
+              <a:t>（</a:t>
+            </a:r>
+            <a:r>
+              <a:rPr lang="en-US" altLang="zh-CN" sz="1400" smtClean="0">
+                <a:latin typeface="微软雅黑" panose="020B0503020204020204" pitchFamily="34" charset="-122"/>
+                <a:ea typeface="微软雅黑" panose="020B0503020204020204" pitchFamily="34" charset="-122"/>
+              </a:rPr>
+              <a:t>change master </a:t>
+            </a:r>
+            <a:r>
+              <a:rPr lang="en-US" altLang="zh-CN" sz="1400" smtClean="0">
+                <a:latin typeface="微软雅黑" panose="020B0503020204020204" pitchFamily="34" charset="-122"/>
+                <a:ea typeface="微软雅黑" panose="020B0503020204020204" pitchFamily="34" charset="-122"/>
+              </a:rPr>
+              <a:t>to A</a:t>
+            </a:r>
+            <a:r>
+              <a:rPr lang="zh-CN" altLang="en-US" sz="1400" smtClean="0">
+                <a:latin typeface="微软雅黑" panose="020B0503020204020204" pitchFamily="34" charset="-122"/>
+                <a:ea typeface="微软雅黑" panose="020B0503020204020204" pitchFamily="34" charset="-122"/>
+              </a:rPr>
+              <a:t>）</a:t>
+            </a:r>
+            <a:endParaRPr lang="en-US" altLang="zh-CN" sz="1400" dirty="0">
+              <a:latin typeface="微软雅黑" panose="020B0503020204020204" pitchFamily="34" charset="-122"/>
+              <a:ea typeface="微软雅黑" panose="020B0503020204020204" pitchFamily="34" charset="-122"/>
+            </a:endParaRPr>
+          </a:p>
+        </p:txBody>
+      </p:sp>
+      <p:sp>
+        <p:nvSpPr>
+          <p:cNvPr id="92" name="矩形 91"/>
+          <p:cNvSpPr/>
+          <p:nvPr/>
+        </p:nvSpPr>
+        <p:spPr>
+          <a:xfrm>
+            <a:off x="10253306" y="4917332"/>
+            <a:ext cx="624078" cy="246221"/>
+          </a:xfrm>
+          <a:prstGeom prst="rect">
+            <a:avLst/>
+          </a:prstGeom>
+        </p:spPr>
+        <p:txBody>
+          <a:bodyPr wrap="square">
+            <a:spAutoFit/>
+          </a:bodyPr>
+          <a:lstStyle/>
+          <a:p>
+            <a:r>
+              <a:rPr lang="zh-CN" altLang="en-US" sz="1000">
+                <a:solidFill>
+                  <a:srgbClr val="FFFF00"/>
+                </a:solidFill>
+                <a:latin typeface="微软雅黑" panose="020B0503020204020204" pitchFamily="34" charset="-122"/>
+                <a:ea typeface="微软雅黑" panose="020B0503020204020204" pitchFamily="34" charset="-122"/>
+              </a:rPr>
+              <a:t>长连接</a:t>
+            </a:r>
+            <a:endParaRPr lang="en-US" altLang="zh-CN" sz="1000" dirty="0" smtClean="0">
+              <a:solidFill>
+                <a:srgbClr val="FFFF00"/>
+              </a:solidFill>
+              <a:latin typeface="微软雅黑" panose="020B0503020204020204" pitchFamily="34" charset="-122"/>
+              <a:ea typeface="微软雅黑" panose="020B0503020204020204" pitchFamily="34" charset="-122"/>
+            </a:endParaRPr>
+          </a:p>
+        </p:txBody>
+      </p:sp>
+      <p:sp>
+        <p:nvSpPr>
+          <p:cNvPr id="93" name="矩形 92"/>
+          <p:cNvSpPr/>
+          <p:nvPr/>
+        </p:nvSpPr>
+        <p:spPr>
+          <a:xfrm>
+            <a:off x="4596355" y="2538124"/>
+            <a:ext cx="624078" cy="553998"/>
+          </a:xfrm>
+          <a:prstGeom prst="rect">
+            <a:avLst/>
+          </a:prstGeom>
+        </p:spPr>
+        <p:txBody>
+          <a:bodyPr wrap="square">
+            <a:spAutoFit/>
+          </a:bodyPr>
+          <a:lstStyle/>
+          <a:p>
+            <a:r>
+              <a:rPr lang="en-US" altLang="zh-CN" sz="1000" smtClean="0">
+                <a:solidFill>
+                  <a:srgbClr val="FFFF00"/>
+                </a:solidFill>
+                <a:latin typeface="微软雅黑" panose="020B0503020204020204" pitchFamily="34" charset="-122"/>
+                <a:ea typeface="微软雅黑" panose="020B0503020204020204" pitchFamily="34" charset="-122"/>
+              </a:rPr>
+              <a:t>redo log buffer</a:t>
+            </a:r>
+            <a:endParaRPr lang="en-US" altLang="zh-CN" sz="1000" dirty="0" smtClean="0">
+              <a:solidFill>
+                <a:srgbClr val="FFFF00"/>
+              </a:solidFill>
+              <a:latin typeface="微软雅黑" panose="020B0503020204020204" pitchFamily="34" charset="-122"/>
+              <a:ea typeface="微软雅黑" panose="020B0503020204020204" pitchFamily="34" charset="-122"/>
+            </a:endParaRPr>
           </a:p>
         </p:txBody>
       </p:sp>
